--- a/Documentation/websockets.pptx
+++ b/Documentation/websockets.pptx
@@ -109,6 +109,11 @@
       </a:defRPr>
     </a:lvl9pPr>
   </p:defaultTextStyle>
+  <p:extLst>
+    <p:ext uri="{EFAFB233-063F-42B5-8137-9DF3F51BA10A}">
+      <p15:sldGuideLst xmlns:p15="http://schemas.microsoft.com/office/powerpoint/2012/main"/>
+    </p:ext>
+  </p:extLst>
 </p:presentation>
 </file>
 
@@ -251,7 +256,7 @@
           <a:p>
             <a:fld id="{E75FF5ED-E9ED-4705-8DB9-7304291AB332}" type="datetimeFigureOut">
               <a:rPr lang="en-US" smtClean="0"/>
-              <a:t>4/1/2019</a:t>
+              <a:t>4/6/2019</a:t>
             </a:fld>
             <a:endParaRPr lang="en-US"/>
           </a:p>
@@ -462,7 +467,7 @@
           <a:p>
             <a:fld id="{E75FF5ED-E9ED-4705-8DB9-7304291AB332}" type="datetimeFigureOut">
               <a:rPr lang="en-US" smtClean="0"/>
-              <a:t>4/1/2019</a:t>
+              <a:t>4/6/2019</a:t>
             </a:fld>
             <a:endParaRPr lang="en-US"/>
           </a:p>
@@ -677,7 +682,7 @@
           <a:p>
             <a:fld id="{E75FF5ED-E9ED-4705-8DB9-7304291AB332}" type="datetimeFigureOut">
               <a:rPr lang="en-US" smtClean="0"/>
-              <a:t>4/1/2019</a:t>
+              <a:t>4/6/2019</a:t>
             </a:fld>
             <a:endParaRPr lang="en-US"/>
           </a:p>
@@ -878,7 +883,7 @@
           <a:p>
             <a:fld id="{E75FF5ED-E9ED-4705-8DB9-7304291AB332}" type="datetimeFigureOut">
               <a:rPr lang="en-US" smtClean="0"/>
-              <a:t>4/1/2019</a:t>
+              <a:t>4/6/2019</a:t>
             </a:fld>
             <a:endParaRPr lang="en-US"/>
           </a:p>
@@ -1157,7 +1162,7 @@
           <a:p>
             <a:fld id="{E75FF5ED-E9ED-4705-8DB9-7304291AB332}" type="datetimeFigureOut">
               <a:rPr lang="en-US" smtClean="0"/>
-              <a:t>4/1/2019</a:t>
+              <a:t>4/6/2019</a:t>
             </a:fld>
             <a:endParaRPr lang="en-US"/>
           </a:p>
@@ -1425,7 +1430,7 @@
           <a:p>
             <a:fld id="{E75FF5ED-E9ED-4705-8DB9-7304291AB332}" type="datetimeFigureOut">
               <a:rPr lang="en-US" smtClean="0"/>
-              <a:t>4/1/2019</a:t>
+              <a:t>4/6/2019</a:t>
             </a:fld>
             <a:endParaRPr lang="en-US"/>
           </a:p>
@@ -1841,7 +1846,7 @@
           <a:p>
             <a:fld id="{E75FF5ED-E9ED-4705-8DB9-7304291AB332}" type="datetimeFigureOut">
               <a:rPr lang="en-US" smtClean="0"/>
-              <a:t>4/1/2019</a:t>
+              <a:t>4/6/2019</a:t>
             </a:fld>
             <a:endParaRPr lang="en-US"/>
           </a:p>
@@ -1990,7 +1995,7 @@
           <a:p>
             <a:fld id="{E75FF5ED-E9ED-4705-8DB9-7304291AB332}" type="datetimeFigureOut">
               <a:rPr lang="en-US" smtClean="0"/>
-              <a:t>4/1/2019</a:t>
+              <a:t>4/6/2019</a:t>
             </a:fld>
             <a:endParaRPr lang="en-US"/>
           </a:p>
@@ -2116,7 +2121,7 @@
           <a:p>
             <a:fld id="{E75FF5ED-E9ED-4705-8DB9-7304291AB332}" type="datetimeFigureOut">
               <a:rPr lang="en-US" smtClean="0"/>
-              <a:t>4/1/2019</a:t>
+              <a:t>4/6/2019</a:t>
             </a:fld>
             <a:endParaRPr lang="en-US"/>
           </a:p>
@@ -2367,7 +2372,7 @@
           <a:p>
             <a:fld id="{E75FF5ED-E9ED-4705-8DB9-7304291AB332}" type="datetimeFigureOut">
               <a:rPr lang="en-US" smtClean="0"/>
-              <a:t>4/1/2019</a:t>
+              <a:t>4/6/2019</a:t>
             </a:fld>
             <a:endParaRPr lang="en-US"/>
           </a:p>
@@ -2812,7 +2817,7 @@
           <a:p>
             <a:fld id="{E75FF5ED-E9ED-4705-8DB9-7304291AB332}" type="datetimeFigureOut">
               <a:rPr lang="en-US" smtClean="0"/>
-              <a:t>4/1/2019</a:t>
+              <a:t>4/6/2019</a:t>
             </a:fld>
             <a:endParaRPr lang="en-US"/>
           </a:p>
@@ -3139,7 +3144,7 @@
           <a:p>
             <a:fld id="{E75FF5ED-E9ED-4705-8DB9-7304291AB332}" type="datetimeFigureOut">
               <a:rPr lang="en-US" smtClean="0"/>
-              <a:t>4/1/2019</a:t>
+              <a:t>4/6/2019</a:t>
             </a:fld>
             <a:endParaRPr lang="en-US"/>
           </a:p>
@@ -4390,7 +4395,9 @@
         </p:nvSpPr>
         <p:spPr/>
         <p:txBody>
-          <a:bodyPr/>
+          <a:bodyPr>
+            <a:normAutofit/>
+          </a:bodyPr>
           <a:lstStyle/>
           <a:p>
             <a:r>
@@ -4460,42 +4467,26 @@
           </a:p>
           <a:p>
             <a:r>
+              <a:rPr lang="he-IL" dirty="0"/>
+              <a:t>פרוטוקול זה מאפשר רק ללקוחות לשלוח</a:t>
+            </a:r>
+            <a:r>
               <a:rPr lang="en-US" dirty="0"/>
-              <a:t>HTTPS </a:t>
+              <a:t> </a:t>
             </a:r>
             <a:r>
               <a:rPr lang="he-IL" dirty="0"/>
-              <a:t> ממש פרוטוקול </a:t>
-            </a:r>
-            <a:r>
-              <a:rPr lang="en-US" dirty="0"/>
-              <a:t>Request–response</a:t>
-            </a:r>
+              <a:t>וליזום בקשות ועל השרת לקבל את ההודעה ולפעול בהתאם. השרת אינו יכול מיוזמתו לשלוח הודעות למשתמשים.</a:t>
+            </a:r>
+          </a:p>
+          <a:p>
             <a:r>
               <a:rPr lang="he-IL" dirty="0"/>
-              <a:t> בין לקוח לשרת.</a:t>
-            </a:r>
-          </a:p>
-          <a:p>
-            <a:r>
-              <a:rPr lang="he-IL" dirty="0"/>
-              <a:t>עפ"י </a:t>
-            </a:r>
-            <a:r>
-              <a:rPr lang="en-US" dirty="0"/>
-              <a:t>Request–response</a:t>
-            </a:r>
-            <a:r>
-              <a:rPr lang="he-IL" dirty="0"/>
-              <a:t> כל צד רשאי לשלוח או לקבל מידע. במידה ונרצה שכל צד יוכל גם לשלוח וגם לקבל נצטרך לממש שני ערוצי </a:t>
+              <a:t>אם נרצה לשפר פרוטוקול זה ולאפשר לשרת לשלוח הודעות בזמן אמת ללקוחות מהשרת נשתמש ב</a:t>
             </a:r>
             <a:r>
               <a:rPr lang="en-US" dirty="0" err="1"/>
-              <a:t>tcp</a:t>
-            </a:r>
-            <a:r>
-              <a:rPr lang="he-IL" dirty="0"/>
-              <a:t> לכל צד, אחד לשליחה ואחד לקבלה.</a:t>
+              <a:t>Websockets</a:t>
             </a:r>
             <a:endParaRPr lang="en-US" dirty="0"/>
           </a:p>
@@ -4633,7 +4624,15 @@
             </a:r>
             <a:r>
               <a:rPr lang="he-IL" dirty="0"/>
-              <a:t> זהו פרוטוקול המאפשר לבצע תקשורת דו-כיוונית על גבי חיבור בודד שנשאר פתוח לכל אורך ההתקשרות ובו כל צד יכול לשלוח מידע  לצד השני (</a:t>
+              <a:t> זהו פרוטוקול מבוסס </a:t>
+            </a:r>
+            <a:r>
+              <a:rPr lang="en-US" dirty="0"/>
+              <a:t>TCP</a:t>
+            </a:r>
+            <a:r>
+              <a:rPr lang="he-IL" dirty="0"/>
+              <a:t> המאפשר לבצע תקשורת דו-כיוונית על גבי חיבור בודד שנשאר פתוח לכל אורך ההתקשרות ובו כל צד יכול לשלוח מידע לצד השני (</a:t>
             </a:r>
             <a:r>
               <a:rPr lang="en-US" dirty="0"/>
@@ -4732,10 +4731,28 @@
           <a:p>
             <a:pPr algn="l" rtl="0"/>
             <a:r>
+              <a:rPr lang="en-US" dirty="0"/>
+              <a:t>Server:   </a:t>
+            </a:r>
+            <a:r>
               <a:rPr lang="en-US" dirty="0">
                 <a:hlinkClick r:id="rId2"/>
               </a:rPr>
               <a:t>https://developer.mozilla.org/en-US/docs/Web/API/WebSockets_API/Writing_WebSocket_server</a:t>
+            </a:r>
+            <a:endParaRPr lang="en-US" dirty="0"/>
+          </a:p>
+          <a:p>
+            <a:pPr algn="l" rtl="0"/>
+            <a:r>
+              <a:rPr lang="en-US" dirty="0"/>
+              <a:t>Client : </a:t>
+            </a:r>
+            <a:r>
+              <a:rPr lang="en-US" dirty="0">
+                <a:hlinkClick r:id="rId3"/>
+              </a:rPr>
+              <a:t>https://docs.microsoft.com/en-us/dotnet/api/system.net.sockets.tcpclient?redirectedfrom=MSDN&amp;view=netframework-4.7.2</a:t>
             </a:r>
             <a:endParaRPr lang="en-US" dirty="0"/>
           </a:p>

--- a/Documentation/websockets.pptx
+++ b/Documentation/websockets.pptx
@@ -11,6 +11,7 @@
     <p:sldId id="260" r:id="rId5"/>
     <p:sldId id="261" r:id="rId6"/>
     <p:sldId id="262" r:id="rId7"/>
+    <p:sldId id="263" r:id="rId8"/>
   </p:sldIdLst>
   <p:sldSz cx="12192000" cy="6858000"/>
   <p:notesSz cx="6858000" cy="9144000"/>
@@ -4203,7 +4204,7 @@
         </p:blipFill>
         <p:spPr>
           <a:xfrm>
-            <a:off x="269239" y="3629293"/>
+            <a:off x="0" y="3629293"/>
             <a:ext cx="4038494" cy="2412682"/>
           </a:xfrm>
           <a:prstGeom prst="rect">
@@ -4289,21 +4290,45 @@
           <a:p>
             <a:r>
               <a:rPr lang="he-IL" dirty="0"/>
-              <a:t>בתקשורת חד כיוונית המידע זורם בשני הכיוונים, אולם לא בו-זמנית - בכל רגע נתון המידע זורם בכיוון אחד בלבד. תקשורת כזו מתקיימת במכשירי קשר, שבהם כדי לשדר על מחזיק </a:t>
+              <a:t>בתקשורת חד כיוונית</a:t>
             </a:r>
             <a:r>
               <a:rPr lang="en-US" dirty="0"/>
-              <a:t>       </a:t>
+              <a:t> </a:t>
             </a:r>
             <a:r>
               <a:rPr lang="he-IL" dirty="0"/>
-              <a:t>המכשיר ללחוץ על כפתור המאפשר לו, ורק לו, לדבר.</a:t>
-            </a:r>
-          </a:p>
-          <a:p>
+              <a:t>(</a:t>
+            </a:r>
+            <a:r>
+              <a:rPr lang="en-US" dirty="0"/>
+              <a:t>half-duplex</a:t>
+            </a:r>
             <a:r>
               <a:rPr lang="he-IL" dirty="0"/>
-              <a:t>בתקשורת דו כיוונית המידע זורם בשני הכיוונים, גם בו-זמנית. תקשורת כזו מתקיימת במכשיר טלפון.</a:t>
+              <a:t>) המידע זורם בשני הכיוונים, אולם לא בו-זמנית - בכל רגע נתון המידע זורם בכיוון אחד בלבד. תקשורת כזו מתקיימת במכשירי קשר, שבהם כדי לשדר על מחזיק המכשיר ללחוץ על כפתור המאפשר לו, ורק לו, לדבר.</a:t>
+            </a:r>
+          </a:p>
+          <a:p>
+            <a:r>
+              <a:rPr lang="he-IL" dirty="0"/>
+              <a:t>בתקשורת דו כיוונית</a:t>
+            </a:r>
+            <a:r>
+              <a:rPr lang="en-US" dirty="0"/>
+              <a:t> </a:t>
+            </a:r>
+            <a:r>
+              <a:rPr lang="he-IL" dirty="0"/>
+              <a:t>(</a:t>
+            </a:r>
+            <a:r>
+              <a:rPr lang="en-US" dirty="0"/>
+              <a:t>full-duplex</a:t>
+            </a:r>
+            <a:r>
+              <a:rPr lang="he-IL" dirty="0"/>
+              <a:t>) המידע זורם בשני הכיוונים, גם בו-זמנית. תקשורת כזו מתקיימת במכשיר טלפון.</a:t>
             </a:r>
             <a:endParaRPr lang="en-US" dirty="0"/>
           </a:p>
@@ -4468,21 +4493,13 @@
           <a:p>
             <a:r>
               <a:rPr lang="he-IL" dirty="0"/>
-              <a:t>פרוטוקול זה מאפשר רק ללקוחות לשלוח</a:t>
-            </a:r>
-            <a:r>
-              <a:rPr lang="en-US" dirty="0"/>
-              <a:t> </a:t>
-            </a:r>
+              <a:t>פרוטוקול זה מאפשר רק ללקוחות ליזום הודעות ובקשות ועל השרת לקבל את ההודעה ולפעול בהתאם. השרת אינו יכול מיוזמתו לשלוח הודעות למשתמשים.</a:t>
+            </a:r>
+          </a:p>
+          <a:p>
             <a:r>
               <a:rPr lang="he-IL" dirty="0"/>
-              <a:t>וליזום בקשות ועל השרת לקבל את ההודעה ולפעול בהתאם. השרת אינו יכול מיוזמתו לשלוח הודעות למשתמשים.</a:t>
-            </a:r>
-          </a:p>
-          <a:p>
-            <a:r>
-              <a:rPr lang="he-IL" dirty="0"/>
-              <a:t>אם נרצה לשפר פרוטוקול זה ולאפשר לשרת לשלוח הודעות בזמן אמת ללקוחות מהשרת נשתמש ב</a:t>
+              <a:t>אם נרצה לשפר פרוטוקול זה ולאפשר לשרת לשלוח הודעות בזמן אמת ללקוחות נשתמש ב</a:t>
             </a:r>
             <a:r>
               <a:rPr lang="en-US" dirty="0" err="1"/>
@@ -4700,68 +4717,137 @@
           <a:bodyPr/>
           <a:lstStyle/>
           <a:p>
-            <a:r>
-              <a:rPr lang="he-IL" dirty="0"/>
-              <a:t>דוגמה</a:t>
-            </a:r>
-            <a:endParaRPr lang="en-US" dirty="0"/>
-          </a:p>
-        </p:txBody>
-      </p:sp>
-      <p:sp>
-        <p:nvSpPr>
-          <p:cNvPr id="3" name="מציין מיקום תוכן 2">
+            <a:pPr algn="l"/>
+            <a:r>
+              <a:rPr lang="en-US" dirty="0"/>
+              <a:t>Client example</a:t>
+            </a:r>
+          </a:p>
+        </p:txBody>
+      </p:sp>
+      <p:pic>
+        <p:nvPicPr>
+          <p:cNvPr id="10" name="תמונה 9">
             <a:extLst>
               <a:ext uri="{FF2B5EF4-FFF2-40B4-BE49-F238E27FC236}">
-                <a16:creationId xmlns:a16="http://schemas.microsoft.com/office/drawing/2014/main" id="{127A7CB5-941D-4C0D-BF99-73A6A4DBE69B}"/>
+                <a16:creationId xmlns:a16="http://schemas.microsoft.com/office/drawing/2014/main" id="{43008FA4-0717-4D07-AC57-62455C30879F}"/>
               </a:ext>
             </a:extLst>
           </p:cNvPr>
-          <p:cNvSpPr>
-            <a:spLocks noGrp="1"/>
-          </p:cNvSpPr>
-          <p:nvPr>
-            <p:ph idx="1"/>
-          </p:nvPr>
-        </p:nvSpPr>
-        <p:spPr/>
-        <p:txBody>
-          <a:bodyPr/>
-          <a:lstStyle/>
-          <a:p>
-            <a:pPr algn="l" rtl="0"/>
-            <a:r>
-              <a:rPr lang="en-US" dirty="0"/>
-              <a:t>Server:   </a:t>
-            </a:r>
-            <a:r>
-              <a:rPr lang="en-US" dirty="0">
-                <a:hlinkClick r:id="rId2"/>
-              </a:rPr>
-              <a:t>https://developer.mozilla.org/en-US/docs/Web/API/WebSockets_API/Writing_WebSocket_server</a:t>
-            </a:r>
-            <a:endParaRPr lang="en-US" dirty="0"/>
-          </a:p>
-          <a:p>
-            <a:pPr algn="l" rtl="0"/>
-            <a:r>
-              <a:rPr lang="en-US" dirty="0"/>
-              <a:t>Client : </a:t>
-            </a:r>
-            <a:r>
-              <a:rPr lang="en-US" dirty="0">
-                <a:hlinkClick r:id="rId3"/>
-              </a:rPr>
-              <a:t>https://docs.microsoft.com/en-us/dotnet/api/system.net.sockets.tcpclient?redirectedfrom=MSDN&amp;view=netframework-4.7.2</a:t>
-            </a:r>
-            <a:endParaRPr lang="en-US" dirty="0"/>
-          </a:p>
-        </p:txBody>
-      </p:sp>
+          <p:cNvPicPr>
+            <a:picLocks noChangeAspect="1"/>
+          </p:cNvPicPr>
+          <p:nvPr/>
+        </p:nvPicPr>
+        <p:blipFill>
+          <a:blip r:embed="rId2"/>
+          <a:stretch>
+            <a:fillRect/>
+          </a:stretch>
+        </p:blipFill>
+        <p:spPr>
+          <a:xfrm>
+            <a:off x="1451579" y="2015732"/>
+            <a:ext cx="5912139" cy="3785628"/>
+          </a:xfrm>
+          <a:prstGeom prst="rect">
+            <a:avLst/>
+          </a:prstGeom>
+        </p:spPr>
+      </p:pic>
     </p:spTree>
     <p:extLst>
       <p:ext uri="{BB962C8B-B14F-4D97-AF65-F5344CB8AC3E}">
         <p14:creationId xmlns:p14="http://schemas.microsoft.com/office/powerpoint/2010/main" val="3609907100"/>
+      </p:ext>
+    </p:extLst>
+  </p:cSld>
+  <p:clrMapOvr>
+    <a:masterClrMapping/>
+  </p:clrMapOvr>
+</p:sld>
+</file>
+
+<file path=ppt/slides/slide7.xml><?xml version="1.0" encoding="utf-8"?>
+<p:sld xmlns:a="http://schemas.openxmlformats.org/drawingml/2006/main" xmlns:r="http://schemas.openxmlformats.org/officeDocument/2006/relationships" xmlns:p="http://schemas.openxmlformats.org/presentationml/2006/main">
+  <p:cSld>
+    <p:spTree>
+      <p:nvGrpSpPr>
+        <p:cNvPr id="1" name=""/>
+        <p:cNvGrpSpPr/>
+        <p:nvPr/>
+      </p:nvGrpSpPr>
+      <p:grpSpPr>
+        <a:xfrm>
+          <a:off x="0" y="0"/>
+          <a:ext cx="0" cy="0"/>
+          <a:chOff x="0" y="0"/>
+          <a:chExt cx="0" cy="0"/>
+        </a:xfrm>
+      </p:grpSpPr>
+      <p:sp>
+        <p:nvSpPr>
+          <p:cNvPr id="2" name="כותרת 1">
+            <a:extLst>
+              <a:ext uri="{FF2B5EF4-FFF2-40B4-BE49-F238E27FC236}">
+                <a16:creationId xmlns:a16="http://schemas.microsoft.com/office/drawing/2014/main" id="{CE13F7F2-D233-4160-B798-9940D61E1259}"/>
+              </a:ext>
+            </a:extLst>
+          </p:cNvPr>
+          <p:cNvSpPr>
+            <a:spLocks noGrp="1"/>
+          </p:cNvSpPr>
+          <p:nvPr>
+            <p:ph type="title"/>
+          </p:nvPr>
+        </p:nvSpPr>
+        <p:spPr/>
+        <p:txBody>
+          <a:bodyPr/>
+          <a:lstStyle/>
+          <a:p>
+            <a:pPr algn="l"/>
+            <a:r>
+              <a:rPr lang="en-US" dirty="0"/>
+              <a:t>server example</a:t>
+            </a:r>
+          </a:p>
+        </p:txBody>
+      </p:sp>
+      <p:pic>
+        <p:nvPicPr>
+          <p:cNvPr id="4" name="תמונה 3">
+            <a:extLst>
+              <a:ext uri="{FF2B5EF4-FFF2-40B4-BE49-F238E27FC236}">
+                <a16:creationId xmlns:a16="http://schemas.microsoft.com/office/drawing/2014/main" id="{86BC35DD-417D-4756-99B9-7E104CFC86B6}"/>
+              </a:ext>
+            </a:extLst>
+          </p:cNvPr>
+          <p:cNvPicPr>
+            <a:picLocks noChangeAspect="1"/>
+          </p:cNvPicPr>
+          <p:nvPr/>
+        </p:nvPicPr>
+        <p:blipFill>
+          <a:blip r:embed="rId2"/>
+          <a:stretch>
+            <a:fillRect/>
+          </a:stretch>
+        </p:blipFill>
+        <p:spPr>
+          <a:xfrm>
+            <a:off x="987107" y="2159635"/>
+            <a:ext cx="8429625" cy="3676650"/>
+          </a:xfrm>
+          <a:prstGeom prst="rect">
+            <a:avLst/>
+          </a:prstGeom>
+        </p:spPr>
+      </p:pic>
+    </p:spTree>
+    <p:extLst>
+      <p:ext uri="{BB962C8B-B14F-4D97-AF65-F5344CB8AC3E}">
+        <p14:creationId xmlns:p14="http://schemas.microsoft.com/office/powerpoint/2010/main" val="3473907608"/>
       </p:ext>
     </p:extLst>
   </p:cSld>
